--- a/Week8/W8.01. Week 2 Overview.pptx
+++ b/Week8/W8.01. Week 2 Overview.pptx
@@ -123,6 +123,80 @@
 </p:presentation>
 </file>
 
+<file path=ppt/changesInfos/changesInfo1.xml><?xml version="1.0" encoding="utf-8"?>
+<pc:chgInfo xmlns:a="http://schemas.openxmlformats.org/drawingml/2006/main" xmlns:r="http://schemas.openxmlformats.org/officeDocument/2006/relationships" xmlns:ac="http://schemas.microsoft.com/office/drawing/2013/main/command" xmlns:pc="http://schemas.microsoft.com/office/powerpoint/2013/main/command">
+  <pc:docChgLst>
+    <pc:chgData name="Chuck Kiefriter" userId="a996b49251c4dfd2" providerId="LiveId" clId="{7A23CC91-1AFA-4D8C-8D59-45A680C433E4}"/>
+    <pc:docChg chg="modSld">
+      <pc:chgData name="Chuck Kiefriter" userId="a996b49251c4dfd2" providerId="LiveId" clId="{7A23CC91-1AFA-4D8C-8D59-45A680C433E4}" dt="2024-03-27T23:11:55.397" v="3" actId="14100"/>
+      <pc:docMkLst>
+        <pc:docMk/>
+      </pc:docMkLst>
+      <pc:sldChg chg="modSp mod">
+        <pc:chgData name="Chuck Kiefriter" userId="a996b49251c4dfd2" providerId="LiveId" clId="{7A23CC91-1AFA-4D8C-8D59-45A680C433E4}" dt="2024-03-27T23:02:26.927" v="0" actId="14100"/>
+        <pc:sldMkLst>
+          <pc:docMk/>
+          <pc:sldMk cId="3646223644" sldId="261"/>
+        </pc:sldMkLst>
+        <pc:spChg chg="mod">
+          <ac:chgData name="Chuck Kiefriter" userId="a996b49251c4dfd2" providerId="LiveId" clId="{7A23CC91-1AFA-4D8C-8D59-45A680C433E4}" dt="2024-03-27T23:02:26.927" v="0" actId="14100"/>
+          <ac:spMkLst>
+            <pc:docMk/>
+            <pc:sldMk cId="3646223644" sldId="261"/>
+            <ac:spMk id="3" creationId="{3BA7B180-F628-4244-AA00-CA4A81B6C476}"/>
+          </ac:spMkLst>
+        </pc:spChg>
+      </pc:sldChg>
+      <pc:sldChg chg="modSp mod">
+        <pc:chgData name="Chuck Kiefriter" userId="a996b49251c4dfd2" providerId="LiveId" clId="{7A23CC91-1AFA-4D8C-8D59-45A680C433E4}" dt="2024-03-27T23:03:04.005" v="1" actId="14100"/>
+        <pc:sldMkLst>
+          <pc:docMk/>
+          <pc:sldMk cId="4259880058" sldId="262"/>
+        </pc:sldMkLst>
+        <pc:spChg chg="mod">
+          <ac:chgData name="Chuck Kiefriter" userId="a996b49251c4dfd2" providerId="LiveId" clId="{7A23CC91-1AFA-4D8C-8D59-45A680C433E4}" dt="2024-03-27T23:03:04.005" v="1" actId="14100"/>
+          <ac:spMkLst>
+            <pc:docMk/>
+            <pc:sldMk cId="4259880058" sldId="262"/>
+            <ac:spMk id="3" creationId="{9825268F-A0C1-416B-BDAD-832CA9B44554}"/>
+          </ac:spMkLst>
+        </pc:spChg>
+      </pc:sldChg>
+      <pc:sldChg chg="modSp mod">
+        <pc:chgData name="Chuck Kiefriter" userId="a996b49251c4dfd2" providerId="LiveId" clId="{7A23CC91-1AFA-4D8C-8D59-45A680C433E4}" dt="2024-03-27T23:11:26.745" v="2" actId="14100"/>
+        <pc:sldMkLst>
+          <pc:docMk/>
+          <pc:sldMk cId="925357210" sldId="264"/>
+        </pc:sldMkLst>
+        <pc:spChg chg="mod">
+          <ac:chgData name="Chuck Kiefriter" userId="a996b49251c4dfd2" providerId="LiveId" clId="{7A23CC91-1AFA-4D8C-8D59-45A680C433E4}" dt="2024-03-27T23:11:26.745" v="2" actId="14100"/>
+          <ac:spMkLst>
+            <pc:docMk/>
+            <pc:sldMk cId="925357210" sldId="264"/>
+            <ac:spMk id="3" creationId="{7457CED7-81BE-4326-9633-D9B8346316E6}"/>
+          </ac:spMkLst>
+        </pc:spChg>
+      </pc:sldChg>
+      <pc:sldChg chg="modSp mod">
+        <pc:chgData name="Chuck Kiefriter" userId="a996b49251c4dfd2" providerId="LiveId" clId="{7A23CC91-1AFA-4D8C-8D59-45A680C433E4}" dt="2024-03-27T23:11:55.397" v="3" actId="14100"/>
+        <pc:sldMkLst>
+          <pc:docMk/>
+          <pc:sldMk cId="4016594585" sldId="266"/>
+        </pc:sldMkLst>
+        <pc:spChg chg="mod">
+          <ac:chgData name="Chuck Kiefriter" userId="a996b49251c4dfd2" providerId="LiveId" clId="{7A23CC91-1AFA-4D8C-8D59-45A680C433E4}" dt="2024-03-27T23:11:55.397" v="3" actId="14100"/>
+          <ac:spMkLst>
+            <pc:docMk/>
+            <pc:sldMk cId="4016594585" sldId="266"/>
+            <ac:spMk id="3" creationId="{7D6BC379-91CA-4F58-A1F8-F1BCF8CF3D60}"/>
+          </ac:spMkLst>
+        </pc:spChg>
+      </pc:sldChg>
+    </pc:docChg>
+  </pc:docChgLst>
+</pc:chgInfo>
+</file>
+
 <file path=ppt/notesMasters/notesMaster1.xml><?xml version="1.0" encoding="utf-8"?>
 <p:notesMaster xmlns:a="http://schemas.openxmlformats.org/drawingml/2006/main" xmlns:r="http://schemas.openxmlformats.org/officeDocument/2006/relationships" xmlns:p="http://schemas.openxmlformats.org/presentationml/2006/main">
   <p:cSld>
@@ -205,7 +279,7 @@
           <a:p>
             <a:fld id="{BF1BC3E4-C956-40CB-AFCD-8F927AFF366E}" type="datetimeFigureOut">
               <a:rPr lang="en-US" smtClean="0"/>
-              <a:t>1/17/2022</a:t>
+              <a:t>3/27/2024</a:t>
             </a:fld>
             <a:endParaRPr lang="en-US"/>
           </a:p>
@@ -716,7 +790,7 @@
           <a:p>
             <a:fld id="{548C5E67-172B-4F6A-B3B9-DEF72F952E5B}" type="datetimeFigureOut">
               <a:rPr lang="en-US" smtClean="0"/>
-              <a:t>1/17/2022</a:t>
+              <a:t>3/27/2024</a:t>
             </a:fld>
             <a:endParaRPr lang="en-US"/>
           </a:p>
@@ -920,7 +994,7 @@
           <a:p>
             <a:fld id="{548C5E67-172B-4F6A-B3B9-DEF72F952E5B}" type="datetimeFigureOut">
               <a:rPr lang="en-US" smtClean="0"/>
-              <a:t>1/17/2022</a:t>
+              <a:t>3/27/2024</a:t>
             </a:fld>
             <a:endParaRPr lang="en-US"/>
           </a:p>
@@ -1114,7 +1188,7 @@
           <a:p>
             <a:fld id="{548C5E67-172B-4F6A-B3B9-DEF72F952E5B}" type="datetimeFigureOut">
               <a:rPr lang="en-US" smtClean="0"/>
-              <a:t>1/17/2022</a:t>
+              <a:t>3/27/2024</a:t>
             </a:fld>
             <a:endParaRPr lang="en-US"/>
           </a:p>
@@ -2159,7 +2233,7 @@
           <a:p>
             <a:fld id="{548C5E67-172B-4F6A-B3B9-DEF72F952E5B}" type="datetimeFigureOut">
               <a:rPr lang="en-US" smtClean="0"/>
-              <a:t>1/17/2022</a:t>
+              <a:t>3/27/2024</a:t>
             </a:fld>
             <a:endParaRPr lang="en-US"/>
           </a:p>
@@ -2440,7 +2514,7 @@
           <a:p>
             <a:fld id="{548C5E67-172B-4F6A-B3B9-DEF72F952E5B}" type="datetimeFigureOut">
               <a:rPr lang="en-US" smtClean="0"/>
-              <a:t>1/17/2022</a:t>
+              <a:t>3/27/2024</a:t>
             </a:fld>
             <a:endParaRPr lang="en-US"/>
           </a:p>
@@ -3092,7 +3166,7 @@
         <p:spPr>
           <a:xfrm>
             <a:off x="838200" y="1825625"/>
-            <a:ext cx="6464300" cy="4351338"/>
+            <a:ext cx="11268456" cy="4351338"/>
           </a:xfrm>
         </p:spPr>
         <p:txBody>
@@ -3134,13 +3208,13 @@
   <p:clrMapOvr>
     <a:masterClrMapping/>
   </p:clrMapOvr>
-  <mc:AlternateContent xmlns:mc="http://schemas.openxmlformats.org/markup-compatibility/2006">
-    <mc:Choice xmlns:p14="http://schemas.microsoft.com/office/powerpoint/2010/main" Requires="p14">
+  <mc:AlternateContent xmlns:mc="http://schemas.openxmlformats.org/markup-compatibility/2006" xmlns:p14="http://schemas.microsoft.com/office/powerpoint/2010/main">
+    <mc:Choice Requires="p14">
       <p:transition spd="med" p14:dur="700">
         <p:fade/>
       </p:transition>
     </mc:Choice>
-    <mc:Fallback>
+    <mc:Fallback xmlns="">
       <p:transition spd="med">
         <p:fade/>
       </p:transition>
@@ -3217,7 +3291,7 @@
         <p:spPr>
           <a:xfrm>
             <a:off x="838200" y="1825625"/>
-            <a:ext cx="5956300" cy="4351338"/>
+            <a:ext cx="9329928" cy="4351338"/>
           </a:xfrm>
         </p:spPr>
         <p:txBody>
@@ -3290,13 +3364,13 @@
   <p:clrMapOvr>
     <a:masterClrMapping/>
   </p:clrMapOvr>
-  <mc:AlternateContent xmlns:mc="http://schemas.openxmlformats.org/markup-compatibility/2006">
-    <mc:Choice xmlns:p14="http://schemas.microsoft.com/office/powerpoint/2010/main" Requires="p14">
+  <mc:AlternateContent xmlns:mc="http://schemas.openxmlformats.org/markup-compatibility/2006" xmlns:p14="http://schemas.microsoft.com/office/powerpoint/2010/main">
+    <mc:Choice Requires="p14">
       <p:transition spd="med" p14:dur="700">
         <p:fade/>
       </p:transition>
     </mc:Choice>
-    <mc:Fallback>
+    <mc:Fallback xmlns="">
       <p:transition spd="med">
         <p:fade/>
       </p:transition>
@@ -3399,13 +3473,13 @@
   <p:clrMapOvr>
     <a:masterClrMapping/>
   </p:clrMapOvr>
-  <mc:AlternateContent xmlns:mc="http://schemas.openxmlformats.org/markup-compatibility/2006">
-    <mc:Choice xmlns:p14="http://schemas.microsoft.com/office/powerpoint/2010/main" Requires="p14">
+  <mc:AlternateContent xmlns:mc="http://schemas.openxmlformats.org/markup-compatibility/2006" xmlns:p14="http://schemas.microsoft.com/office/powerpoint/2010/main">
+    <mc:Choice Requires="p14">
       <p:transition spd="med" p14:dur="700">
         <p:fade/>
       </p:transition>
     </mc:Choice>
-    <mc:Fallback>
+    <mc:Fallback xmlns="">
       <p:transition spd="med">
         <p:fade/>
       </p:transition>
@@ -3544,13 +3618,13 @@
   <p:clrMapOvr>
     <a:masterClrMapping/>
   </p:clrMapOvr>
-  <mc:AlternateContent xmlns:mc="http://schemas.openxmlformats.org/markup-compatibility/2006">
-    <mc:Choice xmlns:p14="http://schemas.microsoft.com/office/powerpoint/2010/main" Requires="p14">
+  <mc:AlternateContent xmlns:mc="http://schemas.openxmlformats.org/markup-compatibility/2006" xmlns:p14="http://schemas.microsoft.com/office/powerpoint/2010/main">
+    <mc:Choice Requires="p14">
       <p:transition spd="med" p14:dur="700">
         <p:fade/>
       </p:transition>
     </mc:Choice>
-    <mc:Fallback>
+    <mc:Fallback xmlns="">
       <p:transition spd="med">
         <p:fade/>
       </p:transition>
@@ -3623,7 +3697,7 @@
         <p:spPr>
           <a:xfrm>
             <a:off x="838200" y="1825625"/>
-            <a:ext cx="6019800" cy="4351338"/>
+            <a:ext cx="10930128" cy="4351338"/>
           </a:xfrm>
         </p:spPr>
         <p:txBody>
@@ -3688,13 +3762,13 @@
   <p:clrMapOvr>
     <a:masterClrMapping/>
   </p:clrMapOvr>
-  <mc:AlternateContent xmlns:mc="http://schemas.openxmlformats.org/markup-compatibility/2006">
-    <mc:Choice xmlns:p14="http://schemas.microsoft.com/office/powerpoint/2010/main" Requires="p14">
+  <mc:AlternateContent xmlns:mc="http://schemas.openxmlformats.org/markup-compatibility/2006" xmlns:p14="http://schemas.microsoft.com/office/powerpoint/2010/main">
+    <mc:Choice Requires="p14">
       <p:transition spd="med" p14:dur="700">
         <p:fade/>
       </p:transition>
     </mc:Choice>
-    <mc:Fallback>
+    <mc:Fallback xmlns="">
       <p:transition spd="med">
         <p:fade/>
       </p:transition>
@@ -3881,13 +3955,13 @@
   <p:clrMapOvr>
     <a:masterClrMapping/>
   </p:clrMapOvr>
-  <mc:AlternateContent xmlns:mc="http://schemas.openxmlformats.org/markup-compatibility/2006">
-    <mc:Choice xmlns:p14="http://schemas.microsoft.com/office/powerpoint/2010/main" Requires="p14">
+  <mc:AlternateContent xmlns:mc="http://schemas.openxmlformats.org/markup-compatibility/2006" xmlns:p14="http://schemas.microsoft.com/office/powerpoint/2010/main">
+    <mc:Choice Requires="p14">
       <p:transition spd="med" p14:dur="700">
         <p:fade/>
       </p:transition>
     </mc:Choice>
-    <mc:Fallback>
+    <mc:Fallback xmlns="">
       <p:transition spd="med">
         <p:fade/>
       </p:transition>
@@ -3960,7 +4034,7 @@
         <p:spPr>
           <a:xfrm>
             <a:off x="838200" y="1825625"/>
-            <a:ext cx="6223000" cy="4351338"/>
+            <a:ext cx="11158728" cy="4351338"/>
           </a:xfrm>
         </p:spPr>
         <p:txBody>
@@ -4066,13 +4140,13 @@
   <p:clrMapOvr>
     <a:masterClrMapping/>
   </p:clrMapOvr>
-  <mc:AlternateContent xmlns:mc="http://schemas.openxmlformats.org/markup-compatibility/2006">
-    <mc:Choice xmlns:p14="http://schemas.microsoft.com/office/powerpoint/2010/main" Requires="p14">
+  <mc:AlternateContent xmlns:mc="http://schemas.openxmlformats.org/markup-compatibility/2006" xmlns:p14="http://schemas.microsoft.com/office/powerpoint/2010/main">
+    <mc:Choice Requires="p14">
       <p:transition spd="med" p14:dur="700">
         <p:fade/>
       </p:transition>
     </mc:Choice>
-    <mc:Fallback>
+    <mc:Fallback xmlns="">
       <p:transition spd="med">
         <p:fade/>
       </p:transition>
@@ -4237,13 +4311,13 @@
   <p:clrMapOvr>
     <a:masterClrMapping/>
   </p:clrMapOvr>
-  <mc:AlternateContent xmlns:mc="http://schemas.openxmlformats.org/markup-compatibility/2006">
-    <mc:Choice xmlns:p14="http://schemas.microsoft.com/office/powerpoint/2010/main" Requires="p14">
+  <mc:AlternateContent xmlns:mc="http://schemas.openxmlformats.org/markup-compatibility/2006" xmlns:p14="http://schemas.microsoft.com/office/powerpoint/2010/main">
+    <mc:Choice Requires="p14">
       <p:transition spd="med" p14:dur="700">
         <p:fade/>
       </p:transition>
     </mc:Choice>
-    <mc:Fallback>
+    <mc:Fallback xmlns="">
       <p:transition spd="med">
         <p:fade/>
       </p:transition>
